--- a/Case Study 1.pptx
+++ b/Case Study 1.pptx
@@ -11409,7 +11409,7 @@
                   <a:schemeClr val="bg1"/>
                 </a:solidFill>
               </a:rPr>
-              <a:t>VA has the beer with the highest IBU - 135</a:t>
+              <a:t>OR has the beer with the highest IBU - 138</a:t>
             </a:r>
           </a:p>
         </p:txBody>
